--- a/Exams/Final_Figures.pptx
+++ b/Exams/Final_Figures.pptx
@@ -104,6 +104,11 @@
       </a:defRPr>
     </a:lvl9pPr>
   </p:defaultTextStyle>
+  <p:extLst>
+    <p:ext uri="{EFAFB233-063F-42B5-8137-9DF3F51BA10A}">
+      <p15:sldGuideLst xmlns:p15="http://schemas.microsoft.com/office/powerpoint/2012/main"/>
+    </p:ext>
+  </p:extLst>
 </p:presentation>
 </file>
 
@@ -254,7 +259,7 @@
           <a:p>
             <a:fld id="{5B17B0EE-644A-42FD-B8F9-2AFEFC87B783}" type="datetimeFigureOut">
               <a:rPr lang="en-US" smtClean="0"/>
-              <a:t>7/29/2022</a:t>
+              <a:t>8/3/2022</a:t>
             </a:fld>
             <a:endParaRPr lang="en-US"/>
           </a:p>
@@ -452,7 +457,7 @@
           <a:p>
             <a:fld id="{5B17B0EE-644A-42FD-B8F9-2AFEFC87B783}" type="datetimeFigureOut">
               <a:rPr lang="en-US" smtClean="0"/>
-              <a:t>7/29/2022</a:t>
+              <a:t>8/3/2022</a:t>
             </a:fld>
             <a:endParaRPr lang="en-US"/>
           </a:p>
@@ -660,7 +665,7 @@
           <a:p>
             <a:fld id="{5B17B0EE-644A-42FD-B8F9-2AFEFC87B783}" type="datetimeFigureOut">
               <a:rPr lang="en-US" smtClean="0"/>
-              <a:t>7/29/2022</a:t>
+              <a:t>8/3/2022</a:t>
             </a:fld>
             <a:endParaRPr lang="en-US"/>
           </a:p>
@@ -858,7 +863,7 @@
           <a:p>
             <a:fld id="{5B17B0EE-644A-42FD-B8F9-2AFEFC87B783}" type="datetimeFigureOut">
               <a:rPr lang="en-US" smtClean="0"/>
-              <a:t>7/29/2022</a:t>
+              <a:t>8/3/2022</a:t>
             </a:fld>
             <a:endParaRPr lang="en-US"/>
           </a:p>
@@ -1133,7 +1138,7 @@
           <a:p>
             <a:fld id="{5B17B0EE-644A-42FD-B8F9-2AFEFC87B783}" type="datetimeFigureOut">
               <a:rPr lang="en-US" smtClean="0"/>
-              <a:t>7/29/2022</a:t>
+              <a:t>8/3/2022</a:t>
             </a:fld>
             <a:endParaRPr lang="en-US"/>
           </a:p>
@@ -1398,7 +1403,7 @@
           <a:p>
             <a:fld id="{5B17B0EE-644A-42FD-B8F9-2AFEFC87B783}" type="datetimeFigureOut">
               <a:rPr lang="en-US" smtClean="0"/>
-              <a:t>7/29/2022</a:t>
+              <a:t>8/3/2022</a:t>
             </a:fld>
             <a:endParaRPr lang="en-US"/>
           </a:p>
@@ -1810,7 +1815,7 @@
           <a:p>
             <a:fld id="{5B17B0EE-644A-42FD-B8F9-2AFEFC87B783}" type="datetimeFigureOut">
               <a:rPr lang="en-US" smtClean="0"/>
-              <a:t>7/29/2022</a:t>
+              <a:t>8/3/2022</a:t>
             </a:fld>
             <a:endParaRPr lang="en-US"/>
           </a:p>
@@ -1951,7 +1956,7 @@
           <a:p>
             <a:fld id="{5B17B0EE-644A-42FD-B8F9-2AFEFC87B783}" type="datetimeFigureOut">
               <a:rPr lang="en-US" smtClean="0"/>
-              <a:t>7/29/2022</a:t>
+              <a:t>8/3/2022</a:t>
             </a:fld>
             <a:endParaRPr lang="en-US"/>
           </a:p>
@@ -2064,7 +2069,7 @@
           <a:p>
             <a:fld id="{5B17B0EE-644A-42FD-B8F9-2AFEFC87B783}" type="datetimeFigureOut">
               <a:rPr lang="en-US" smtClean="0"/>
-              <a:t>7/29/2022</a:t>
+              <a:t>8/3/2022</a:t>
             </a:fld>
             <a:endParaRPr lang="en-US"/>
           </a:p>
@@ -2375,7 +2380,7 @@
           <a:p>
             <a:fld id="{5B17B0EE-644A-42FD-B8F9-2AFEFC87B783}" type="datetimeFigureOut">
               <a:rPr lang="en-US" smtClean="0"/>
-              <a:t>7/29/2022</a:t>
+              <a:t>8/3/2022</a:t>
             </a:fld>
             <a:endParaRPr lang="en-US"/>
           </a:p>
@@ -2663,7 +2668,7 @@
           <a:p>
             <a:fld id="{5B17B0EE-644A-42FD-B8F9-2AFEFC87B783}" type="datetimeFigureOut">
               <a:rPr lang="en-US" smtClean="0"/>
-              <a:t>7/29/2022</a:t>
+              <a:t>8/3/2022</a:t>
             </a:fld>
             <a:endParaRPr lang="en-US"/>
           </a:p>
@@ -2904,7 +2909,7 @@
           <a:p>
             <a:fld id="{5B17B0EE-644A-42FD-B8F9-2AFEFC87B783}" type="datetimeFigureOut">
               <a:rPr lang="en-US" smtClean="0"/>
-              <a:t>7/29/2022</a:t>
+              <a:t>8/3/2022</a:t>
             </a:fld>
             <a:endParaRPr lang="en-US"/>
           </a:p>
@@ -6841,9 +6846,9 @@
         <p:grpSpPr>
           <a:xfrm>
             <a:off x="2922963" y="4327996"/>
-            <a:ext cx="950864" cy="682119"/>
+            <a:ext cx="1951138" cy="682119"/>
             <a:chOff x="3291263" y="4251796"/>
-            <a:chExt cx="950864" cy="682119"/>
+            <a:chExt cx="1951138" cy="682119"/>
           </a:xfrm>
         </p:grpSpPr>
         <p:sp>
@@ -6861,7 +6866,7 @@
           <p:spPr>
             <a:xfrm>
               <a:off x="3585678" y="4251796"/>
-              <a:ext cx="647934" cy="369332"/>
+              <a:ext cx="1648208" cy="369332"/>
             </a:xfrm>
             <a:prstGeom prst="rect">
               <a:avLst/>
@@ -6876,7 +6881,7 @@
             <a:p>
               <a:r>
                 <a:rPr lang="en-US" dirty="0"/>
-                <a:t>R1 = </a:t>
+                <a:t>R1 = 0.100 mm </a:t>
               </a:r>
             </a:p>
           </p:txBody>
@@ -6896,7 +6901,7 @@
           <p:spPr>
             <a:xfrm>
               <a:off x="3594193" y="4564583"/>
-              <a:ext cx="647934" cy="369332"/>
+              <a:ext cx="1648208" cy="369332"/>
             </a:xfrm>
             <a:prstGeom prst="rect">
               <a:avLst/>
@@ -6911,7 +6916,7 @@
             <a:p>
               <a:r>
                 <a:rPr lang="en-US" dirty="0"/>
-                <a:t>R2 = </a:t>
+                <a:t>R2 = 0.141 mm </a:t>
               </a:r>
             </a:p>
           </p:txBody>
@@ -7005,6 +7010,84 @@
           </p:style>
         </p:cxnSp>
       </p:grpSp>
+      <p:cxnSp>
+        <p:nvCxnSpPr>
+          <p:cNvPr id="3" name="Straight Arrow Connector 2">
+            <a:extLst>
+              <a:ext uri="{FF2B5EF4-FFF2-40B4-BE49-F238E27FC236}">
+                <a16:creationId xmlns:a16="http://schemas.microsoft.com/office/drawing/2014/main" id="{60E2369A-80AD-BF59-A350-344EF4A4FB76}"/>
+              </a:ext>
+            </a:extLst>
+          </p:cNvPr>
+          <p:cNvCxnSpPr/>
+          <p:nvPr/>
+        </p:nvCxnSpPr>
+        <p:spPr>
+          <a:xfrm flipV="1">
+            <a:off x="2006600" y="4825449"/>
+            <a:ext cx="0" cy="1461051"/>
+          </a:xfrm>
+          <a:prstGeom prst="straightConnector1">
+            <a:avLst/>
+          </a:prstGeom>
+          <a:ln w="38100">
+            <a:solidFill>
+              <a:srgbClr val="FF0000"/>
+            </a:solidFill>
+            <a:headEnd type="none" w="med" len="med"/>
+            <a:tailEnd type="triangle" w="med" len="med"/>
+          </a:ln>
+        </p:spPr>
+        <p:style>
+          <a:lnRef idx="1">
+            <a:schemeClr val="accent1"/>
+          </a:lnRef>
+          <a:fillRef idx="0">
+            <a:schemeClr val="accent1"/>
+          </a:fillRef>
+          <a:effectRef idx="0">
+            <a:schemeClr val="accent1"/>
+          </a:effectRef>
+          <a:fontRef idx="minor">
+            <a:schemeClr val="tx1"/>
+          </a:fontRef>
+        </p:style>
+      </p:cxnSp>
+      <p:sp>
+        <p:nvSpPr>
+          <p:cNvPr id="7" name="TextBox 6">
+            <a:extLst>
+              <a:ext uri="{FF2B5EF4-FFF2-40B4-BE49-F238E27FC236}">
+                <a16:creationId xmlns:a16="http://schemas.microsoft.com/office/drawing/2014/main" id="{06B5BC9B-75D8-8884-DE62-F7E3C59B30B7}"/>
+              </a:ext>
+            </a:extLst>
+          </p:cNvPr>
+          <p:cNvSpPr txBox="1"/>
+          <p:nvPr/>
+        </p:nvSpPr>
+        <p:spPr>
+          <a:xfrm rot="16200000">
+            <a:off x="1662794" y="5410610"/>
+            <a:ext cx="1067921" cy="369332"/>
+          </a:xfrm>
+          <a:prstGeom prst="rect">
+            <a:avLst/>
+          </a:prstGeom>
+          <a:noFill/>
+        </p:spPr>
+        <p:txBody>
+          <a:bodyPr wrap="none" rtlCol="0">
+            <a:spAutoFit/>
+          </a:bodyPr>
+          <a:lstStyle/>
+          <a:p>
+            <a:r>
+              <a:rPr lang="en-US" dirty="0"/>
+              <a:t>I = 10 mA</a:t>
+            </a:r>
+          </a:p>
+        </p:txBody>
+      </p:sp>
     </p:spTree>
     <p:extLst>
       <p:ext uri="{BB962C8B-B14F-4D97-AF65-F5344CB8AC3E}">
